--- a/단어모음 (jpg)/단어.pptx
+++ b/단어모음 (jpg)/단어.pptx
@@ -25,6 +25,7 @@
     <p:sldId id="273" r:id="rId19"/>
     <p:sldId id="274" r:id="rId20"/>
     <p:sldId id="275" r:id="rId21"/>
+    <p:sldId id="276" r:id="rId22"/>
   </p:sldIdLst>
   <p:sldSz cx="12192000" cy="6858000"/>
   <p:notesSz cx="6858000" cy="9144000"/>
@@ -123,6 +124,11 @@
       </a:defRPr>
     </a:lvl9pPr>
   </p:defaultTextStyle>
+  <p:extLst>
+    <p:ext uri="{EFAFB233-063F-42B5-8137-9DF3F51BA10A}">
+      <p15:sldGuideLst xmlns:p15="http://schemas.microsoft.com/office/powerpoint/2012/main"/>
+    </p:ext>
+  </p:extLst>
 </p:presentation>
 </file>
 
@@ -275,7 +281,7 @@
           <a:p>
             <a:fld id="{D47E2DA6-DDBC-6A4C-AF56-5654DA00E00F}" type="datetimeFigureOut">
               <a:rPr kumimoji="1" lang="ko-Kore-KR" altLang="en-US" smtClean="0"/>
-              <a:t>2021. 9. 14.</a:t>
+              <a:t>2021. 9. 22.</a:t>
             </a:fld>
             <a:endParaRPr kumimoji="1" lang="ko-Kore-KR" altLang="en-US"/>
           </a:p>
@@ -475,7 +481,7 @@
           <a:p>
             <a:fld id="{D47E2DA6-DDBC-6A4C-AF56-5654DA00E00F}" type="datetimeFigureOut">
               <a:rPr kumimoji="1" lang="ko-Kore-KR" altLang="en-US" smtClean="0"/>
-              <a:t>2021. 9. 14.</a:t>
+              <a:t>2021. 9. 22.</a:t>
             </a:fld>
             <a:endParaRPr kumimoji="1" lang="ko-Kore-KR" altLang="en-US"/>
           </a:p>
@@ -685,7 +691,7 @@
           <a:p>
             <a:fld id="{D47E2DA6-DDBC-6A4C-AF56-5654DA00E00F}" type="datetimeFigureOut">
               <a:rPr kumimoji="1" lang="ko-Kore-KR" altLang="en-US" smtClean="0"/>
-              <a:t>2021. 9. 14.</a:t>
+              <a:t>2021. 9. 22.</a:t>
             </a:fld>
             <a:endParaRPr kumimoji="1" lang="ko-Kore-KR" altLang="en-US"/>
           </a:p>
@@ -885,7 +891,7 @@
           <a:p>
             <a:fld id="{D47E2DA6-DDBC-6A4C-AF56-5654DA00E00F}" type="datetimeFigureOut">
               <a:rPr kumimoji="1" lang="ko-Kore-KR" altLang="en-US" smtClean="0"/>
-              <a:t>2021. 9. 14.</a:t>
+              <a:t>2021. 9. 22.</a:t>
             </a:fld>
             <a:endParaRPr kumimoji="1" lang="ko-Kore-KR" altLang="en-US"/>
           </a:p>
@@ -1161,7 +1167,7 @@
           <a:p>
             <a:fld id="{D47E2DA6-DDBC-6A4C-AF56-5654DA00E00F}" type="datetimeFigureOut">
               <a:rPr kumimoji="1" lang="ko-Kore-KR" altLang="en-US" smtClean="0"/>
-              <a:t>2021. 9. 14.</a:t>
+              <a:t>2021. 9. 22.</a:t>
             </a:fld>
             <a:endParaRPr kumimoji="1" lang="ko-Kore-KR" altLang="en-US"/>
           </a:p>
@@ -1429,7 +1435,7 @@
           <a:p>
             <a:fld id="{D47E2DA6-DDBC-6A4C-AF56-5654DA00E00F}" type="datetimeFigureOut">
               <a:rPr kumimoji="1" lang="ko-Kore-KR" altLang="en-US" smtClean="0"/>
-              <a:t>2021. 9. 14.</a:t>
+              <a:t>2021. 9. 22.</a:t>
             </a:fld>
             <a:endParaRPr kumimoji="1" lang="ko-Kore-KR" altLang="en-US"/>
           </a:p>
@@ -1844,7 +1850,7 @@
           <a:p>
             <a:fld id="{D47E2DA6-DDBC-6A4C-AF56-5654DA00E00F}" type="datetimeFigureOut">
               <a:rPr kumimoji="1" lang="ko-Kore-KR" altLang="en-US" smtClean="0"/>
-              <a:t>2021. 9. 14.</a:t>
+              <a:t>2021. 9. 22.</a:t>
             </a:fld>
             <a:endParaRPr kumimoji="1" lang="ko-Kore-KR" altLang="en-US"/>
           </a:p>
@@ -1986,7 +1992,7 @@
           <a:p>
             <a:fld id="{D47E2DA6-DDBC-6A4C-AF56-5654DA00E00F}" type="datetimeFigureOut">
               <a:rPr kumimoji="1" lang="ko-Kore-KR" altLang="en-US" smtClean="0"/>
-              <a:t>2021. 9. 14.</a:t>
+              <a:t>2021. 9. 22.</a:t>
             </a:fld>
             <a:endParaRPr kumimoji="1" lang="ko-Kore-KR" altLang="en-US"/>
           </a:p>
@@ -2099,7 +2105,7 @@
           <a:p>
             <a:fld id="{D47E2DA6-DDBC-6A4C-AF56-5654DA00E00F}" type="datetimeFigureOut">
               <a:rPr kumimoji="1" lang="ko-Kore-KR" altLang="en-US" smtClean="0"/>
-              <a:t>2021. 9. 14.</a:t>
+              <a:t>2021. 9. 22.</a:t>
             </a:fld>
             <a:endParaRPr kumimoji="1" lang="ko-Kore-KR" altLang="en-US"/>
           </a:p>
@@ -2412,7 +2418,7 @@
           <a:p>
             <a:fld id="{D47E2DA6-DDBC-6A4C-AF56-5654DA00E00F}" type="datetimeFigureOut">
               <a:rPr kumimoji="1" lang="ko-Kore-KR" altLang="en-US" smtClean="0"/>
-              <a:t>2021. 9. 14.</a:t>
+              <a:t>2021. 9. 22.</a:t>
             </a:fld>
             <a:endParaRPr kumimoji="1" lang="ko-Kore-KR" altLang="en-US"/>
           </a:p>
@@ -2701,7 +2707,7 @@
           <a:p>
             <a:fld id="{D47E2DA6-DDBC-6A4C-AF56-5654DA00E00F}" type="datetimeFigureOut">
               <a:rPr kumimoji="1" lang="ko-Kore-KR" altLang="en-US" smtClean="0"/>
-              <a:t>2021. 9. 14.</a:t>
+              <a:t>2021. 9. 22.</a:t>
             </a:fld>
             <a:endParaRPr kumimoji="1" lang="ko-Kore-KR" altLang="en-US"/>
           </a:p>
@@ -2944,7 +2950,7 @@
           <a:p>
             <a:fld id="{D47E2DA6-DDBC-6A4C-AF56-5654DA00E00F}" type="datetimeFigureOut">
               <a:rPr kumimoji="1" lang="ko-Kore-KR" altLang="en-US" smtClean="0"/>
-              <a:t>2021. 9. 14.</a:t>
+              <a:t>2021. 9. 22.</a:t>
             </a:fld>
             <a:endParaRPr kumimoji="1" lang="ko-Kore-KR" altLang="en-US"/>
           </a:p>
@@ -4292,6 +4298,79 @@
 </p:sld>
 </file>
 
+<file path=ppt/slides/slide21.xml><?xml version="1.0" encoding="utf-8"?>
+<p:sld xmlns:a="http://schemas.openxmlformats.org/drawingml/2006/main" xmlns:r="http://schemas.openxmlformats.org/officeDocument/2006/relationships" xmlns:p="http://schemas.openxmlformats.org/presentationml/2006/main">
+  <p:cSld>
+    <p:spTree>
+      <p:nvGrpSpPr>
+        <p:cNvPr id="1" name=""/>
+        <p:cNvGrpSpPr/>
+        <p:nvPr/>
+      </p:nvGrpSpPr>
+      <p:grpSpPr>
+        <a:xfrm>
+          <a:off x="0" y="0"/>
+          <a:ext cx="0" cy="0"/>
+          <a:chOff x="0" y="0"/>
+          <a:chExt cx="0" cy="0"/>
+        </a:xfrm>
+      </p:grpSpPr>
+      <p:sp>
+        <p:nvSpPr>
+          <p:cNvPr id="4" name="TextBox 3">
+            <a:extLst>
+              <a:ext uri="{FF2B5EF4-FFF2-40B4-BE49-F238E27FC236}">
+                <a16:creationId xmlns:a16="http://schemas.microsoft.com/office/drawing/2014/main" id="{9E1EAB0A-E597-DC4A-9BD7-BA3C3FED2014}"/>
+              </a:ext>
+            </a:extLst>
+          </p:cNvPr>
+          <p:cNvSpPr txBox="1"/>
+          <p:nvPr/>
+        </p:nvSpPr>
+        <p:spPr>
+          <a:xfrm>
+            <a:off x="465762" y="2321004"/>
+            <a:ext cx="11260476" cy="2215991"/>
+          </a:xfrm>
+          <a:prstGeom prst="rect">
+            <a:avLst/>
+          </a:prstGeom>
+          <a:noFill/>
+        </p:spPr>
+        <p:txBody>
+          <a:bodyPr wrap="square" rtlCol="0">
+            <a:spAutoFit/>
+          </a:bodyPr>
+          <a:lstStyle/>
+          <a:p>
+            <a:pPr algn="ctr"/>
+            <a:r>
+              <a:rPr kumimoji="1" lang="ko-KR" altLang="en-US" sz="13800" dirty="0">
+                <a:latin typeface="Gungsuh" panose="02030600000101010101" pitchFamily="18" charset="-127"/>
+                <a:ea typeface="Gungsuh" panose="02030600000101010101" pitchFamily="18" charset="-127"/>
+              </a:rPr>
+              <a:t>소아청소년과</a:t>
+            </a:r>
+            <a:endParaRPr kumimoji="1" lang="ko-Kore-KR" altLang="en-US" sz="13800" dirty="0">
+              <a:latin typeface="Gungsuh" panose="02030600000101010101" pitchFamily="18" charset="-127"/>
+              <a:ea typeface="Gungsuh" panose="02030600000101010101" pitchFamily="18" charset="-127"/>
+            </a:endParaRPr>
+          </a:p>
+        </p:txBody>
+      </p:sp>
+    </p:spTree>
+    <p:extLst>
+      <p:ext uri="{BB962C8B-B14F-4D97-AF65-F5344CB8AC3E}">
+        <p14:creationId xmlns:p14="http://schemas.microsoft.com/office/powerpoint/2010/main" val="1721862303"/>
+      </p:ext>
+    </p:extLst>
+  </p:cSld>
+  <p:clrMapOvr>
+    <a:masterClrMapping/>
+  </p:clrMapOvr>
+</p:sld>
+</file>
+
 <file path=ppt/slides/slide3.xml><?xml version="1.0" encoding="utf-8"?>
 <p:sld xmlns:a="http://schemas.openxmlformats.org/drawingml/2006/main" xmlns:r="http://schemas.openxmlformats.org/officeDocument/2006/relationships" xmlns:p="http://schemas.openxmlformats.org/presentationml/2006/main">
   <p:cSld>
